--- a/komiyama/シラバス図.pptx
+++ b/komiyama/シラバス図.pptx
@@ -195,7 +195,8 @@
           <a:p>
             <a:fld id="{634998B1-0A36-4200-873D-B67F5B11BAA8}" type="datetimeFigureOut">
               <a:rPr kumimoji="1" lang="ja-JP" altLang="en-US" smtClean="0"/>
-              <a:t>2009/10/7</a:t>
+              <a:pPr/>
+              <a:t>2009/10/8</a:t>
             </a:fld>
             <a:endParaRPr kumimoji="1" lang="ja-JP" altLang="en-US"/>
           </a:p>
@@ -388,6 +389,7 @@
           <a:p>
             <a:fld id="{CD55C522-F1B4-47E9-A5A1-31A048BD1A2D}" type="slidenum">
               <a:rPr kumimoji="1" lang="ja-JP" altLang="en-US" smtClean="0"/>
+              <a:pPr/>
               <a:t>&lt;#&gt;</a:t>
             </a:fld>
             <a:endParaRPr kumimoji="1" lang="ja-JP" altLang="en-US"/>
@@ -581,6 +583,7 @@
           <a:p>
             <a:fld id="{CD55C522-F1B4-47E9-A5A1-31A048BD1A2D}" type="slidenum">
               <a:rPr kumimoji="1" lang="ja-JP" altLang="en-US" smtClean="0"/>
+              <a:pPr/>
               <a:t>2</a:t>
             </a:fld>
             <a:endParaRPr kumimoji="1" lang="ja-JP" altLang="en-US"/>
@@ -688,6 +691,7 @@
           <a:p>
             <a:fld id="{CD55C522-F1B4-47E9-A5A1-31A048BD1A2D}" type="slidenum">
               <a:rPr kumimoji="1" lang="ja-JP" altLang="en-US" smtClean="0"/>
+              <a:pPr/>
               <a:t>3</a:t>
             </a:fld>
             <a:endParaRPr kumimoji="1" lang="ja-JP" altLang="en-US"/>
@@ -795,6 +799,7 @@
           <a:p>
             <a:fld id="{CD55C522-F1B4-47E9-A5A1-31A048BD1A2D}" type="slidenum">
               <a:rPr kumimoji="1" lang="ja-JP" altLang="en-US" smtClean="0"/>
+              <a:pPr/>
               <a:t>4</a:t>
             </a:fld>
             <a:endParaRPr kumimoji="1" lang="ja-JP" altLang="en-US"/>
@@ -990,7 +995,8 @@
           <a:p>
             <a:fld id="{56A717DB-7D90-4EF6-A51D-4D9A9134E2E7}" type="datetimeFigureOut">
               <a:rPr kumimoji="1" lang="ja-JP" altLang="en-US" smtClean="0"/>
-              <a:t>2009/10/6</a:t>
+              <a:pPr/>
+              <a:t>2009/10/8</a:t>
             </a:fld>
             <a:endParaRPr kumimoji="1" lang="ja-JP" altLang="en-US"/>
           </a:p>
@@ -1032,6 +1038,7 @@
           <a:p>
             <a:fld id="{5E3028C4-93BB-4B86-AC47-91D423155D24}" type="slidenum">
               <a:rPr kumimoji="1" lang="ja-JP" altLang="en-US" smtClean="0"/>
+              <a:pPr/>
               <a:t>&lt;#&gt;</a:t>
             </a:fld>
             <a:endParaRPr kumimoji="1" lang="ja-JP" altLang="en-US"/>
@@ -1187,7 +1194,8 @@
           <a:p>
             <a:fld id="{56A717DB-7D90-4EF6-A51D-4D9A9134E2E7}" type="datetimeFigureOut">
               <a:rPr kumimoji="1" lang="ja-JP" altLang="en-US" smtClean="0"/>
-              <a:t>2009/10/6</a:t>
+              <a:pPr/>
+              <a:t>2009/10/8</a:t>
             </a:fld>
             <a:endParaRPr kumimoji="1" lang="ja-JP" altLang="en-US"/>
           </a:p>
@@ -1229,6 +1237,7 @@
           <a:p>
             <a:fld id="{5E3028C4-93BB-4B86-AC47-91D423155D24}" type="slidenum">
               <a:rPr kumimoji="1" lang="ja-JP" altLang="en-US" smtClean="0"/>
+              <a:pPr/>
               <a:t>&lt;#&gt;</a:t>
             </a:fld>
             <a:endParaRPr kumimoji="1" lang="ja-JP" altLang="en-US"/>
@@ -1394,7 +1403,8 @@
           <a:p>
             <a:fld id="{56A717DB-7D90-4EF6-A51D-4D9A9134E2E7}" type="datetimeFigureOut">
               <a:rPr kumimoji="1" lang="ja-JP" altLang="en-US" smtClean="0"/>
-              <a:t>2009/10/6</a:t>
+              <a:pPr/>
+              <a:t>2009/10/8</a:t>
             </a:fld>
             <a:endParaRPr kumimoji="1" lang="ja-JP" altLang="en-US"/>
           </a:p>
@@ -1436,6 +1446,7 @@
           <a:p>
             <a:fld id="{5E3028C4-93BB-4B86-AC47-91D423155D24}" type="slidenum">
               <a:rPr kumimoji="1" lang="ja-JP" altLang="en-US" smtClean="0"/>
+              <a:pPr/>
               <a:t>&lt;#&gt;</a:t>
             </a:fld>
             <a:endParaRPr kumimoji="1" lang="ja-JP" altLang="en-US"/>
@@ -1591,7 +1602,8 @@
           <a:p>
             <a:fld id="{56A717DB-7D90-4EF6-A51D-4D9A9134E2E7}" type="datetimeFigureOut">
               <a:rPr kumimoji="1" lang="ja-JP" altLang="en-US" smtClean="0"/>
-              <a:t>2009/10/6</a:t>
+              <a:pPr/>
+              <a:t>2009/10/8</a:t>
             </a:fld>
             <a:endParaRPr kumimoji="1" lang="ja-JP" altLang="en-US"/>
           </a:p>
@@ -1633,6 +1645,7 @@
           <a:p>
             <a:fld id="{5E3028C4-93BB-4B86-AC47-91D423155D24}" type="slidenum">
               <a:rPr kumimoji="1" lang="ja-JP" altLang="en-US" smtClean="0"/>
+              <a:pPr/>
               <a:t>&lt;#&gt;</a:t>
             </a:fld>
             <a:endParaRPr kumimoji="1" lang="ja-JP" altLang="en-US"/>
@@ -1832,7 +1845,8 @@
           <a:p>
             <a:fld id="{56A717DB-7D90-4EF6-A51D-4D9A9134E2E7}" type="datetimeFigureOut">
               <a:rPr kumimoji="1" lang="ja-JP" altLang="en-US" smtClean="0"/>
-              <a:t>2009/10/6</a:t>
+              <a:pPr/>
+              <a:t>2009/10/8</a:t>
             </a:fld>
             <a:endParaRPr kumimoji="1" lang="ja-JP" altLang="en-US"/>
           </a:p>
@@ -1874,6 +1888,7 @@
           <a:p>
             <a:fld id="{5E3028C4-93BB-4B86-AC47-91D423155D24}" type="slidenum">
               <a:rPr kumimoji="1" lang="ja-JP" altLang="en-US" smtClean="0"/>
+              <a:pPr/>
               <a:t>&lt;#&gt;</a:t>
             </a:fld>
             <a:endParaRPr kumimoji="1" lang="ja-JP" altLang="en-US"/>
@@ -2179,7 +2194,8 @@
           <a:p>
             <a:fld id="{56A717DB-7D90-4EF6-A51D-4D9A9134E2E7}" type="datetimeFigureOut">
               <a:rPr kumimoji="1" lang="ja-JP" altLang="en-US" smtClean="0"/>
-              <a:t>2009/10/6</a:t>
+              <a:pPr/>
+              <a:t>2009/10/8</a:t>
             </a:fld>
             <a:endParaRPr kumimoji="1" lang="ja-JP" altLang="en-US"/>
           </a:p>
@@ -2221,6 +2237,7 @@
           <a:p>
             <a:fld id="{5E3028C4-93BB-4B86-AC47-91D423155D24}" type="slidenum">
               <a:rPr kumimoji="1" lang="ja-JP" altLang="en-US" smtClean="0"/>
+              <a:pPr/>
               <a:t>&lt;#&gt;</a:t>
             </a:fld>
             <a:endParaRPr kumimoji="1" lang="ja-JP" altLang="en-US"/>
@@ -2660,7 +2677,8 @@
           <a:p>
             <a:fld id="{56A717DB-7D90-4EF6-A51D-4D9A9134E2E7}" type="datetimeFigureOut">
               <a:rPr kumimoji="1" lang="ja-JP" altLang="en-US" smtClean="0"/>
-              <a:t>2009/10/6</a:t>
+              <a:pPr/>
+              <a:t>2009/10/8</a:t>
             </a:fld>
             <a:endParaRPr kumimoji="1" lang="ja-JP" altLang="en-US"/>
           </a:p>
@@ -2702,6 +2720,7 @@
           <a:p>
             <a:fld id="{5E3028C4-93BB-4B86-AC47-91D423155D24}" type="slidenum">
               <a:rPr kumimoji="1" lang="ja-JP" altLang="en-US" smtClean="0"/>
+              <a:pPr/>
               <a:t>&lt;#&gt;</a:t>
             </a:fld>
             <a:endParaRPr kumimoji="1" lang="ja-JP" altLang="en-US"/>
@@ -2773,7 +2792,8 @@
           <a:p>
             <a:fld id="{56A717DB-7D90-4EF6-A51D-4D9A9134E2E7}" type="datetimeFigureOut">
               <a:rPr kumimoji="1" lang="ja-JP" altLang="en-US" smtClean="0"/>
-              <a:t>2009/10/6</a:t>
+              <a:pPr/>
+              <a:t>2009/10/8</a:t>
             </a:fld>
             <a:endParaRPr kumimoji="1" lang="ja-JP" altLang="en-US"/>
           </a:p>
@@ -2815,6 +2835,7 @@
           <a:p>
             <a:fld id="{5E3028C4-93BB-4B86-AC47-91D423155D24}" type="slidenum">
               <a:rPr kumimoji="1" lang="ja-JP" altLang="en-US" smtClean="0"/>
+              <a:pPr/>
               <a:t>&lt;#&gt;</a:t>
             </a:fld>
             <a:endParaRPr kumimoji="1" lang="ja-JP" altLang="en-US"/>
@@ -2863,7 +2884,8 @@
           <a:p>
             <a:fld id="{56A717DB-7D90-4EF6-A51D-4D9A9134E2E7}" type="datetimeFigureOut">
               <a:rPr kumimoji="1" lang="ja-JP" altLang="en-US" smtClean="0"/>
-              <a:t>2009/10/6</a:t>
+              <a:pPr/>
+              <a:t>2009/10/8</a:t>
             </a:fld>
             <a:endParaRPr kumimoji="1" lang="ja-JP" altLang="en-US"/>
           </a:p>
@@ -2905,6 +2927,7 @@
           <a:p>
             <a:fld id="{5E3028C4-93BB-4B86-AC47-91D423155D24}" type="slidenum">
               <a:rPr kumimoji="1" lang="ja-JP" altLang="en-US" smtClean="0"/>
+              <a:pPr/>
               <a:t>&lt;#&gt;</a:t>
             </a:fld>
             <a:endParaRPr kumimoji="1" lang="ja-JP" altLang="en-US"/>
@@ -3167,7 +3190,8 @@
           <a:p>
             <a:fld id="{56A717DB-7D90-4EF6-A51D-4D9A9134E2E7}" type="datetimeFigureOut">
               <a:rPr kumimoji="1" lang="ja-JP" altLang="en-US" smtClean="0"/>
-              <a:t>2009/10/6</a:t>
+              <a:pPr/>
+              <a:t>2009/10/8</a:t>
             </a:fld>
             <a:endParaRPr kumimoji="1" lang="ja-JP" altLang="en-US"/>
           </a:p>
@@ -3209,6 +3233,7 @@
           <a:p>
             <a:fld id="{5E3028C4-93BB-4B86-AC47-91D423155D24}" type="slidenum">
               <a:rPr kumimoji="1" lang="ja-JP" altLang="en-US" smtClean="0"/>
+              <a:pPr/>
               <a:t>&lt;#&gt;</a:t>
             </a:fld>
             <a:endParaRPr kumimoji="1" lang="ja-JP" altLang="en-US"/>
@@ -3415,7 +3440,8 @@
           <a:p>
             <a:fld id="{56A717DB-7D90-4EF6-A51D-4D9A9134E2E7}" type="datetimeFigureOut">
               <a:rPr kumimoji="1" lang="ja-JP" altLang="en-US" smtClean="0"/>
-              <a:t>2009/10/6</a:t>
+              <a:pPr/>
+              <a:t>2009/10/8</a:t>
             </a:fld>
             <a:endParaRPr kumimoji="1" lang="ja-JP" altLang="en-US"/>
           </a:p>
@@ -3457,6 +3483,7 @@
           <a:p>
             <a:fld id="{5E3028C4-93BB-4B86-AC47-91D423155D24}" type="slidenum">
               <a:rPr kumimoji="1" lang="ja-JP" altLang="en-US" smtClean="0"/>
+              <a:pPr/>
               <a:t>&lt;#&gt;</a:t>
             </a:fld>
             <a:endParaRPr kumimoji="1" lang="ja-JP" altLang="en-US"/>
@@ -3655,7 +3682,8 @@
           <a:p>
             <a:fld id="{56A717DB-7D90-4EF6-A51D-4D9A9134E2E7}" type="datetimeFigureOut">
               <a:rPr kumimoji="1" lang="ja-JP" altLang="en-US" smtClean="0"/>
-              <a:t>2009/10/6</a:t>
+              <a:pPr/>
+              <a:t>2009/10/8</a:t>
             </a:fld>
             <a:endParaRPr kumimoji="1" lang="ja-JP" altLang="en-US"/>
           </a:p>
@@ -3733,6 +3761,7 @@
           <a:p>
             <a:fld id="{5E3028C4-93BB-4B86-AC47-91D423155D24}" type="slidenum">
               <a:rPr kumimoji="1" lang="ja-JP" altLang="en-US" smtClean="0"/>
+              <a:pPr/>
               <a:t>&lt;#&gt;</a:t>
             </a:fld>
             <a:endParaRPr kumimoji="1" lang="ja-JP" altLang="en-US"/>
@@ -5419,11 +5448,11 @@
         <p:spPr>
           <a:xfrm rot="10800000">
             <a:off x="4429124" y="1184774"/>
-            <a:ext cx="3000396" cy="1672722"/>
+            <a:ext cx="2286016" cy="1672722"/>
           </a:xfrm>
           <a:prstGeom prst="bentConnector3">
             <a:avLst>
-              <a:gd name="adj1" fmla="val -2885"/>
+              <a:gd name="adj1" fmla="val -1831"/>
             </a:avLst>
           </a:prstGeom>
           <a:ln>
@@ -5448,19 +5477,17 @@
       <p:cxnSp>
         <p:nvCxnSpPr>
           <p:cNvPr id="218" name="カギ線コネクタ 217"/>
-          <p:cNvCxnSpPr>
-            <a:endCxn id="7" idx="3"/>
-          </p:cNvCxnSpPr>
+          <p:cNvCxnSpPr/>
           <p:nvPr/>
         </p:nvCxnSpPr>
         <p:spPr>
           <a:xfrm rot="10800000">
-            <a:off x="4429124" y="1184774"/>
-            <a:ext cx="2714644" cy="1101218"/>
+            <a:off x="4500562" y="1184774"/>
+            <a:ext cx="1928826" cy="1101218"/>
           </a:xfrm>
           <a:prstGeom prst="bentConnector3">
             <a:avLst>
-              <a:gd name="adj1" fmla="val -3499"/>
+              <a:gd name="adj1" fmla="val -17438"/>
             </a:avLst>
           </a:prstGeom>
           <a:ln>
@@ -7244,80 +7271,6 @@
       </p:cxnSp>
       <p:cxnSp>
         <p:nvCxnSpPr>
-          <p:cNvPr id="216" name="カギ線コネクタ 215"/>
-          <p:cNvCxnSpPr>
-            <a:endCxn id="7" idx="3"/>
-          </p:cNvCxnSpPr>
-          <p:nvPr/>
-        </p:nvCxnSpPr>
-        <p:spPr>
-          <a:xfrm rot="10800000">
-            <a:off x="4429124" y="1184774"/>
-            <a:ext cx="3000396" cy="1672722"/>
-          </a:xfrm>
-          <a:prstGeom prst="bentConnector3">
-            <a:avLst>
-              <a:gd name="adj1" fmla="val -2885"/>
-            </a:avLst>
-          </a:prstGeom>
-          <a:ln>
-            <a:tailEnd type="arrow"/>
-          </a:ln>
-        </p:spPr>
-        <p:style>
-          <a:lnRef idx="1">
-            <a:schemeClr val="accent1"/>
-          </a:lnRef>
-          <a:fillRef idx="0">
-            <a:schemeClr val="accent1"/>
-          </a:fillRef>
-          <a:effectRef idx="0">
-            <a:schemeClr val="accent1"/>
-          </a:effectRef>
-          <a:fontRef idx="minor">
-            <a:schemeClr val="tx1"/>
-          </a:fontRef>
-        </p:style>
-      </p:cxnSp>
-      <p:cxnSp>
-        <p:nvCxnSpPr>
-          <p:cNvPr id="218" name="カギ線コネクタ 217"/>
-          <p:cNvCxnSpPr>
-            <a:endCxn id="7" idx="3"/>
-          </p:cNvCxnSpPr>
-          <p:nvPr/>
-        </p:nvCxnSpPr>
-        <p:spPr>
-          <a:xfrm rot="10800000">
-            <a:off x="4429124" y="1184774"/>
-            <a:ext cx="2714644" cy="1101218"/>
-          </a:xfrm>
-          <a:prstGeom prst="bentConnector3">
-            <a:avLst>
-              <a:gd name="adj1" fmla="val -3499"/>
-            </a:avLst>
-          </a:prstGeom>
-          <a:ln>
-            <a:tailEnd type="arrow"/>
-          </a:ln>
-        </p:spPr>
-        <p:style>
-          <a:lnRef idx="1">
-            <a:schemeClr val="accent1"/>
-          </a:lnRef>
-          <a:fillRef idx="0">
-            <a:schemeClr val="accent1"/>
-          </a:fillRef>
-          <a:effectRef idx="0">
-            <a:schemeClr val="accent1"/>
-          </a:effectRef>
-          <a:fontRef idx="minor">
-            <a:schemeClr val="tx1"/>
-          </a:fontRef>
-        </p:style>
-      </p:cxnSp>
-      <p:cxnSp>
-        <p:nvCxnSpPr>
           <p:cNvPr id="230" name="図形 229"/>
           <p:cNvCxnSpPr>
             <a:stCxn id="7" idx="2"/>
@@ -7973,6 +7926,76 @@
           </a:prstGeom>
           <a:ln>
             <a:headEnd type="arrow"/>
+            <a:tailEnd type="arrow"/>
+          </a:ln>
+        </p:spPr>
+        <p:style>
+          <a:lnRef idx="1">
+            <a:schemeClr val="accent1"/>
+          </a:lnRef>
+          <a:fillRef idx="0">
+            <a:schemeClr val="accent1"/>
+          </a:fillRef>
+          <a:effectRef idx="0">
+            <a:schemeClr val="accent1"/>
+          </a:effectRef>
+          <a:fontRef idx="minor">
+            <a:schemeClr val="tx1"/>
+          </a:fontRef>
+        </p:style>
+      </p:cxnSp>
+      <p:cxnSp>
+        <p:nvCxnSpPr>
+          <p:cNvPr id="60" name="カギ線コネクタ 59"/>
+          <p:cNvCxnSpPr/>
+          <p:nvPr/>
+        </p:nvCxnSpPr>
+        <p:spPr>
+          <a:xfrm rot="10800000">
+            <a:off x="4429124" y="1184774"/>
+            <a:ext cx="2286016" cy="1672722"/>
+          </a:xfrm>
+          <a:prstGeom prst="bentConnector3">
+            <a:avLst>
+              <a:gd name="adj1" fmla="val -1831"/>
+            </a:avLst>
+          </a:prstGeom>
+          <a:ln>
+            <a:tailEnd type="arrow"/>
+          </a:ln>
+        </p:spPr>
+        <p:style>
+          <a:lnRef idx="1">
+            <a:schemeClr val="accent1"/>
+          </a:lnRef>
+          <a:fillRef idx="0">
+            <a:schemeClr val="accent1"/>
+          </a:fillRef>
+          <a:effectRef idx="0">
+            <a:schemeClr val="accent1"/>
+          </a:effectRef>
+          <a:fontRef idx="minor">
+            <a:schemeClr val="tx1"/>
+          </a:fontRef>
+        </p:style>
+      </p:cxnSp>
+      <p:cxnSp>
+        <p:nvCxnSpPr>
+          <p:cNvPr id="61" name="カギ線コネクタ 60"/>
+          <p:cNvCxnSpPr/>
+          <p:nvPr/>
+        </p:nvCxnSpPr>
+        <p:spPr>
+          <a:xfrm rot="10800000">
+            <a:off x="4500562" y="1184774"/>
+            <a:ext cx="1928826" cy="1101218"/>
+          </a:xfrm>
+          <a:prstGeom prst="bentConnector3">
+            <a:avLst>
+              <a:gd name="adj1" fmla="val -17438"/>
+            </a:avLst>
+          </a:prstGeom>
+          <a:ln>
             <a:tailEnd type="arrow"/>
           </a:ln>
         </p:spPr>
@@ -9653,7 +9676,7 @@
           </a:xfrm>
           <a:prstGeom prst="bentConnector3">
             <a:avLst>
-              <a:gd name="adj1" fmla="val -10000"/>
+              <a:gd name="adj1" fmla="val -6620"/>
             </a:avLst>
           </a:prstGeom>
           <a:ln>
@@ -9691,7 +9714,7 @@
           </a:xfrm>
           <a:prstGeom prst="bentConnector3">
             <a:avLst>
-              <a:gd name="adj1" fmla="val -11428"/>
+              <a:gd name="adj1" fmla="val -23017"/>
             </a:avLst>
           </a:prstGeom>
           <a:ln>
@@ -10220,7 +10243,7 @@
           </a:xfrm>
           <a:prstGeom prst="bentConnector3">
             <a:avLst>
-              <a:gd name="adj1" fmla="val -9697"/>
+              <a:gd name="adj1" fmla="val -3688"/>
             </a:avLst>
           </a:prstGeom>
           <a:ln>
@@ -10258,7 +10281,7 @@
           </a:xfrm>
           <a:prstGeom prst="bentConnector3">
             <a:avLst>
-              <a:gd name="adj1" fmla="val -13333"/>
+              <a:gd name="adj1" fmla="val -43380"/>
             </a:avLst>
           </a:prstGeom>
           <a:ln>
@@ -10296,7 +10319,7 @@
           </a:xfrm>
           <a:prstGeom prst="bentConnector3">
             <a:avLst>
-              <a:gd name="adj1" fmla="val -17778"/>
+              <a:gd name="adj1" fmla="val -89890"/>
             </a:avLst>
           </a:prstGeom>
           <a:ln>

--- a/komiyama/シラバス図.pptx
+++ b/komiyama/シラバス図.pptx
@@ -5477,17 +5477,19 @@
       <p:cxnSp>
         <p:nvCxnSpPr>
           <p:cNvPr id="218" name="カギ線コネクタ 217"/>
-          <p:cNvCxnSpPr/>
+          <p:cNvCxnSpPr>
+            <a:endCxn id="7" idx="3"/>
+          </p:cNvCxnSpPr>
           <p:nvPr/>
         </p:nvCxnSpPr>
         <p:spPr>
           <a:xfrm rot="10800000">
-            <a:off x="4500562" y="1184774"/>
-            <a:ext cx="1928826" cy="1101218"/>
+            <a:off x="4429124" y="1184774"/>
+            <a:ext cx="2000264" cy="1101218"/>
           </a:xfrm>
           <a:prstGeom prst="bentConnector3">
             <a:avLst>
-              <a:gd name="adj1" fmla="val -17438"/>
+              <a:gd name="adj1" fmla="val -16317"/>
             </a:avLst>
           </a:prstGeom>
           <a:ln>
@@ -7981,18 +7983,18 @@
       </p:cxnSp>
       <p:cxnSp>
         <p:nvCxnSpPr>
-          <p:cNvPr id="61" name="カギ線コネクタ 60"/>
+          <p:cNvPr id="62" name="カギ線コネクタ 61"/>
           <p:cNvCxnSpPr/>
           <p:nvPr/>
         </p:nvCxnSpPr>
         <p:spPr>
           <a:xfrm rot="10800000">
-            <a:off x="4500562" y="1184774"/>
-            <a:ext cx="1928826" cy="1101218"/>
+            <a:off x="4429124" y="1184774"/>
+            <a:ext cx="2000264" cy="1101218"/>
           </a:xfrm>
           <a:prstGeom prst="bentConnector3">
             <a:avLst>
-              <a:gd name="adj1" fmla="val -17438"/>
+              <a:gd name="adj1" fmla="val -16317"/>
             </a:avLst>
           </a:prstGeom>
           <a:ln>

--- a/komiyama/シラバス図.pptx
+++ b/komiyama/シラバス図.pptx
@@ -5753,6 +5753,42 @@
           </a:prstGeom>
           <a:ln>
             <a:headEnd type="arrow"/>
+            <a:tailEnd type="arrow"/>
+          </a:ln>
+        </p:spPr>
+        <p:style>
+          <a:lnRef idx="1">
+            <a:schemeClr val="accent1"/>
+          </a:lnRef>
+          <a:fillRef idx="0">
+            <a:schemeClr val="accent1"/>
+          </a:fillRef>
+          <a:effectRef idx="0">
+            <a:schemeClr val="accent1"/>
+          </a:effectRef>
+          <a:fontRef idx="minor">
+            <a:schemeClr val="tx1"/>
+          </a:fontRef>
+        </p:style>
+      </p:cxnSp>
+      <p:cxnSp>
+        <p:nvCxnSpPr>
+          <p:cNvPr id="44" name="図形 43"/>
+          <p:cNvCxnSpPr/>
+          <p:nvPr/>
+        </p:nvCxnSpPr>
+        <p:spPr>
+          <a:xfrm rot="5400000" flipH="1">
+            <a:off x="7352011" y="3292195"/>
+            <a:ext cx="83580" cy="785818"/>
+          </a:xfrm>
+          <a:prstGeom prst="bentConnector4">
+            <a:avLst>
+              <a:gd name="adj1" fmla="val -112623"/>
+              <a:gd name="adj2" fmla="val 112191"/>
+            </a:avLst>
+          </a:prstGeom>
+          <a:ln>
             <a:tailEnd type="arrow"/>
           </a:ln>
         </p:spPr>

--- a/komiyama/シラバス図.pptx
+++ b/komiyama/シラバス図.pptx
@@ -196,7 +196,7 @@
             <a:fld id="{634998B1-0A36-4200-873D-B67F5B11BAA8}" type="datetimeFigureOut">
               <a:rPr kumimoji="1" lang="ja-JP" altLang="en-US" smtClean="0"/>
               <a:pPr/>
-              <a:t>2009/10/8</a:t>
+              <a:t>2009/10/31</a:t>
             </a:fld>
             <a:endParaRPr kumimoji="1" lang="ja-JP" altLang="en-US"/>
           </a:p>
@@ -996,7 +996,7 @@
             <a:fld id="{56A717DB-7D90-4EF6-A51D-4D9A9134E2E7}" type="datetimeFigureOut">
               <a:rPr kumimoji="1" lang="ja-JP" altLang="en-US" smtClean="0"/>
               <a:pPr/>
-              <a:t>2009/10/8</a:t>
+              <a:t>2009/10/31</a:t>
             </a:fld>
             <a:endParaRPr kumimoji="1" lang="ja-JP" altLang="en-US"/>
           </a:p>
@@ -1195,7 +1195,7 @@
             <a:fld id="{56A717DB-7D90-4EF6-A51D-4D9A9134E2E7}" type="datetimeFigureOut">
               <a:rPr kumimoji="1" lang="ja-JP" altLang="en-US" smtClean="0"/>
               <a:pPr/>
-              <a:t>2009/10/8</a:t>
+              <a:t>2009/10/31</a:t>
             </a:fld>
             <a:endParaRPr kumimoji="1" lang="ja-JP" altLang="en-US"/>
           </a:p>
@@ -1404,7 +1404,7 @@
             <a:fld id="{56A717DB-7D90-4EF6-A51D-4D9A9134E2E7}" type="datetimeFigureOut">
               <a:rPr kumimoji="1" lang="ja-JP" altLang="en-US" smtClean="0"/>
               <a:pPr/>
-              <a:t>2009/10/8</a:t>
+              <a:t>2009/10/31</a:t>
             </a:fld>
             <a:endParaRPr kumimoji="1" lang="ja-JP" altLang="en-US"/>
           </a:p>
@@ -1603,7 +1603,7 @@
             <a:fld id="{56A717DB-7D90-4EF6-A51D-4D9A9134E2E7}" type="datetimeFigureOut">
               <a:rPr kumimoji="1" lang="ja-JP" altLang="en-US" smtClean="0"/>
               <a:pPr/>
-              <a:t>2009/10/8</a:t>
+              <a:t>2009/10/31</a:t>
             </a:fld>
             <a:endParaRPr kumimoji="1" lang="ja-JP" altLang="en-US"/>
           </a:p>
@@ -1846,7 +1846,7 @@
             <a:fld id="{56A717DB-7D90-4EF6-A51D-4D9A9134E2E7}" type="datetimeFigureOut">
               <a:rPr kumimoji="1" lang="ja-JP" altLang="en-US" smtClean="0"/>
               <a:pPr/>
-              <a:t>2009/10/8</a:t>
+              <a:t>2009/10/31</a:t>
             </a:fld>
             <a:endParaRPr kumimoji="1" lang="ja-JP" altLang="en-US"/>
           </a:p>
@@ -2195,7 +2195,7 @@
             <a:fld id="{56A717DB-7D90-4EF6-A51D-4D9A9134E2E7}" type="datetimeFigureOut">
               <a:rPr kumimoji="1" lang="ja-JP" altLang="en-US" smtClean="0"/>
               <a:pPr/>
-              <a:t>2009/10/8</a:t>
+              <a:t>2009/10/31</a:t>
             </a:fld>
             <a:endParaRPr kumimoji="1" lang="ja-JP" altLang="en-US"/>
           </a:p>
@@ -2678,7 +2678,7 @@
             <a:fld id="{56A717DB-7D90-4EF6-A51D-4D9A9134E2E7}" type="datetimeFigureOut">
               <a:rPr kumimoji="1" lang="ja-JP" altLang="en-US" smtClean="0"/>
               <a:pPr/>
-              <a:t>2009/10/8</a:t>
+              <a:t>2009/10/31</a:t>
             </a:fld>
             <a:endParaRPr kumimoji="1" lang="ja-JP" altLang="en-US"/>
           </a:p>
@@ -2793,7 +2793,7 @@
             <a:fld id="{56A717DB-7D90-4EF6-A51D-4D9A9134E2E7}" type="datetimeFigureOut">
               <a:rPr kumimoji="1" lang="ja-JP" altLang="en-US" smtClean="0"/>
               <a:pPr/>
-              <a:t>2009/10/8</a:t>
+              <a:t>2009/10/31</a:t>
             </a:fld>
             <a:endParaRPr kumimoji="1" lang="ja-JP" altLang="en-US"/>
           </a:p>
@@ -2885,7 +2885,7 @@
             <a:fld id="{56A717DB-7D90-4EF6-A51D-4D9A9134E2E7}" type="datetimeFigureOut">
               <a:rPr kumimoji="1" lang="ja-JP" altLang="en-US" smtClean="0"/>
               <a:pPr/>
-              <a:t>2009/10/8</a:t>
+              <a:t>2009/10/31</a:t>
             </a:fld>
             <a:endParaRPr kumimoji="1" lang="ja-JP" altLang="en-US"/>
           </a:p>
@@ -3191,7 +3191,7 @@
             <a:fld id="{56A717DB-7D90-4EF6-A51D-4D9A9134E2E7}" type="datetimeFigureOut">
               <a:rPr kumimoji="1" lang="ja-JP" altLang="en-US" smtClean="0"/>
               <a:pPr/>
-              <a:t>2009/10/8</a:t>
+              <a:t>2009/10/31</a:t>
             </a:fld>
             <a:endParaRPr kumimoji="1" lang="ja-JP" altLang="en-US"/>
           </a:p>
@@ -3441,7 +3441,7 @@
             <a:fld id="{56A717DB-7D90-4EF6-A51D-4D9A9134E2E7}" type="datetimeFigureOut">
               <a:rPr kumimoji="1" lang="ja-JP" altLang="en-US" smtClean="0"/>
               <a:pPr/>
-              <a:t>2009/10/8</a:t>
+              <a:t>2009/10/31</a:t>
             </a:fld>
             <a:endParaRPr kumimoji="1" lang="ja-JP" altLang="en-US"/>
           </a:p>
@@ -3683,7 +3683,7 @@
             <a:fld id="{56A717DB-7D90-4EF6-A51D-4D9A9134E2E7}" type="datetimeFigureOut">
               <a:rPr kumimoji="1" lang="ja-JP" altLang="en-US" smtClean="0"/>
               <a:pPr/>
-              <a:t>2009/10/8</a:t>
+              <a:t>2009/10/31</a:t>
             </a:fld>
             <a:endParaRPr kumimoji="1" lang="ja-JP" altLang="en-US"/>
           </a:p>
@@ -6157,44 +6157,6 @@
       </p:sp>
       <p:sp>
         <p:nvSpPr>
-          <p:cNvPr id="42" name="テキスト ボックス 41"/>
-          <p:cNvSpPr txBox="1"/>
-          <p:nvPr/>
-        </p:nvSpPr>
-        <p:spPr>
-          <a:xfrm>
-            <a:off x="6929454" y="5072074"/>
-            <a:ext cx="1643074" cy="369332"/>
-          </a:xfrm>
-          <a:prstGeom prst="rect">
-            <a:avLst/>
-          </a:prstGeom>
-          <a:noFill/>
-          <a:ln>
-            <a:solidFill>
-              <a:schemeClr val="accent5">
-                <a:lumMod val="60000"/>
-                <a:lumOff val="40000"/>
-              </a:schemeClr>
-            </a:solidFill>
-          </a:ln>
-        </p:spPr>
-        <p:txBody>
-          <a:bodyPr wrap="square" rtlCol="0">
-            <a:spAutoFit/>
-          </a:bodyPr>
-          <a:lstStyle/>
-          <a:p>
-            <a:r>
-              <a:rPr kumimoji="1" lang="ja-JP" altLang="en-US" dirty="0" smtClean="0"/>
-              <a:t>結果確認画面</a:t>
-            </a:r>
-            <a:endParaRPr kumimoji="1" lang="ja-JP" altLang="en-US" dirty="0"/>
-          </a:p>
-        </p:txBody>
-      </p:sp>
-      <p:sp>
-        <p:nvSpPr>
           <p:cNvPr id="43" name="テキスト ボックス 42"/>
           <p:cNvSpPr txBox="1"/>
           <p:nvPr/>
@@ -6393,7 +6355,6 @@
         <p:nvCxnSpPr>
           <p:cNvPr id="88" name="図形 87"/>
           <p:cNvCxnSpPr>
-            <a:stCxn id="42" idx="3"/>
             <a:endCxn id="7" idx="3"/>
           </p:cNvCxnSpPr>
           <p:nvPr/>
@@ -7797,45 +7758,6 @@
           </a:fontRef>
         </p:style>
       </p:cxnSp>
-      <p:cxnSp>
-        <p:nvCxnSpPr>
-          <p:cNvPr id="286" name="直線矢印コネクタ 285"/>
-          <p:cNvCxnSpPr>
-            <a:stCxn id="49" idx="3"/>
-            <a:endCxn id="42" idx="1"/>
-          </p:cNvCxnSpPr>
-          <p:nvPr/>
-        </p:nvCxnSpPr>
-        <p:spPr>
-          <a:xfrm>
-            <a:off x="6643702" y="5256740"/>
-            <a:ext cx="285752" cy="1588"/>
-          </a:xfrm>
-          <a:prstGeom prst="straightConnector1">
-            <a:avLst/>
-          </a:prstGeom>
-          <a:ln>
-            <a:solidFill>
-              <a:srgbClr val="FF0000"/>
-            </a:solidFill>
-            <a:tailEnd type="arrow"/>
-          </a:ln>
-        </p:spPr>
-        <p:style>
-          <a:lnRef idx="1">
-            <a:schemeClr val="accent1"/>
-          </a:lnRef>
-          <a:fillRef idx="0">
-            <a:schemeClr val="accent1"/>
-          </a:fillRef>
-          <a:effectRef idx="0">
-            <a:schemeClr val="accent1"/>
-          </a:effectRef>
-          <a:fontRef idx="minor">
-            <a:schemeClr val="tx1"/>
-          </a:fontRef>
-        </p:style>
-      </p:cxnSp>
       <p:sp>
         <p:nvSpPr>
           <p:cNvPr id="304" name="テキスト ボックス 303"/>
@@ -8052,6 +7974,86 @@
           </a:fontRef>
         </p:style>
       </p:cxnSp>
+      <p:cxnSp>
+        <p:nvCxnSpPr>
+          <p:cNvPr id="61" name="直線矢印コネクタ 60"/>
+          <p:cNvCxnSpPr>
+            <a:endCxn id="63" idx="1"/>
+          </p:cNvCxnSpPr>
+          <p:nvPr/>
+        </p:nvCxnSpPr>
+        <p:spPr>
+          <a:xfrm>
+            <a:off x="6643702" y="5256740"/>
+            <a:ext cx="357190" cy="1588"/>
+          </a:xfrm>
+          <a:prstGeom prst="straightConnector1">
+            <a:avLst/>
+          </a:prstGeom>
+          <a:ln>
+            <a:solidFill>
+              <a:srgbClr val="FF0000"/>
+            </a:solidFill>
+            <a:tailEnd type="arrow"/>
+          </a:ln>
+        </p:spPr>
+        <p:style>
+          <a:lnRef idx="1">
+            <a:schemeClr val="accent1"/>
+          </a:lnRef>
+          <a:fillRef idx="0">
+            <a:schemeClr val="accent1"/>
+          </a:fillRef>
+          <a:effectRef idx="0">
+            <a:schemeClr val="accent1"/>
+          </a:effectRef>
+          <a:fontRef idx="minor">
+            <a:schemeClr val="tx1"/>
+          </a:fontRef>
+        </p:style>
+      </p:cxnSp>
+      <p:sp>
+        <p:nvSpPr>
+          <p:cNvPr id="63" name="テキスト ボックス 62"/>
+          <p:cNvSpPr txBox="1"/>
+          <p:nvPr/>
+        </p:nvSpPr>
+        <p:spPr>
+          <a:xfrm>
+            <a:off x="7000892" y="5072074"/>
+            <a:ext cx="1571636" cy="369332"/>
+          </a:xfrm>
+          <a:prstGeom prst="rect">
+            <a:avLst/>
+          </a:prstGeom>
+          <a:noFill/>
+          <a:ln>
+            <a:solidFill>
+              <a:schemeClr val="accent5">
+                <a:lumMod val="60000"/>
+                <a:lumOff val="40000"/>
+              </a:schemeClr>
+            </a:solidFill>
+          </a:ln>
+        </p:spPr>
+        <p:txBody>
+          <a:bodyPr wrap="square" rtlCol="0">
+            <a:spAutoFit/>
+          </a:bodyPr>
+          <a:lstStyle/>
+          <a:p>
+            <a:r>
+              <a:rPr kumimoji="1" lang="ja-JP" altLang="en-US" dirty="0" smtClean="0"/>
+              <a:t>結果</a:t>
+            </a:r>
+            <a:r>
+              <a:rPr kumimoji="1" lang="ja-JP" altLang="en-US" dirty="0" smtClean="0"/>
+              <a:t>確認画面</a:t>
+            </a:r>
+            <a:endParaRPr kumimoji="1" lang="ja-JP" altLang="en-US" dirty="0"/>
+          </a:p>
+        </p:txBody>
+      </p:sp>
     </p:spTree>
   </p:cSld>
   <p:clrMapOvr>
@@ -8514,44 +8516,6 @@
       </p:cxnSp>
       <p:sp>
         <p:nvSpPr>
-          <p:cNvPr id="42" name="テキスト ボックス 41"/>
-          <p:cNvSpPr txBox="1"/>
-          <p:nvPr/>
-        </p:nvSpPr>
-        <p:spPr>
-          <a:xfrm>
-            <a:off x="6929454" y="5072074"/>
-            <a:ext cx="1643074" cy="369332"/>
-          </a:xfrm>
-          <a:prstGeom prst="rect">
-            <a:avLst/>
-          </a:prstGeom>
-          <a:noFill/>
-          <a:ln>
-            <a:solidFill>
-              <a:schemeClr val="accent5">
-                <a:lumMod val="60000"/>
-                <a:lumOff val="40000"/>
-              </a:schemeClr>
-            </a:solidFill>
-          </a:ln>
-        </p:spPr>
-        <p:txBody>
-          <a:bodyPr wrap="square" rtlCol="0">
-            <a:spAutoFit/>
-          </a:bodyPr>
-          <a:lstStyle/>
-          <a:p>
-            <a:r>
-              <a:rPr kumimoji="1" lang="ja-JP" altLang="en-US" dirty="0" smtClean="0"/>
-              <a:t>結果確認画面</a:t>
-            </a:r>
-            <a:endParaRPr kumimoji="1" lang="ja-JP" altLang="en-US" dirty="0"/>
-          </a:p>
-        </p:txBody>
-      </p:sp>
-      <p:sp>
-        <p:nvSpPr>
           <p:cNvPr id="43" name="テキスト ボックス 42"/>
           <p:cNvSpPr txBox="1"/>
           <p:nvPr/>
@@ -8750,7 +8714,6 @@
         <p:nvCxnSpPr>
           <p:cNvPr id="88" name="図形 87"/>
           <p:cNvCxnSpPr>
-            <a:stCxn id="42" idx="3"/>
             <a:endCxn id="7" idx="3"/>
           </p:cNvCxnSpPr>
           <p:nvPr/>
@@ -9714,7 +9677,7 @@
           </a:xfrm>
           <a:prstGeom prst="bentConnector3">
             <a:avLst>
-              <a:gd name="adj1" fmla="val -6620"/>
+              <a:gd name="adj1" fmla="val -7183"/>
             </a:avLst>
           </a:prstGeom>
           <a:ln>
@@ -9752,7 +9715,7 @@
           </a:xfrm>
           <a:prstGeom prst="bentConnector3">
             <a:avLst>
-              <a:gd name="adj1" fmla="val -23017"/>
+              <a:gd name="adj1" fmla="val -22373"/>
             </a:avLst>
           </a:prstGeom>
           <a:ln>
@@ -10182,7 +10145,11 @@
           <a:p>
             <a:r>
               <a:rPr kumimoji="1" lang="ja-JP" altLang="en-US" dirty="0" smtClean="0"/>
-              <a:t>結果確認画面</a:t>
+              <a:t>結果</a:t>
+            </a:r>
+            <a:r>
+              <a:rPr kumimoji="1" lang="ja-JP" altLang="en-US" dirty="0" smtClean="0"/>
+              <a:t>確認画面</a:t>
             </a:r>
             <a:endParaRPr kumimoji="1" lang="ja-JP" altLang="en-US" dirty="0"/>
           </a:p>
@@ -10231,14 +10198,14 @@
           <p:cNvPr id="286" name="直線矢印コネクタ 285"/>
           <p:cNvCxnSpPr>
             <a:stCxn id="49" idx="3"/>
-            <a:endCxn id="42" idx="1"/>
+            <a:endCxn id="63" idx="1"/>
           </p:cNvCxnSpPr>
           <p:nvPr/>
         </p:nvCxnSpPr>
         <p:spPr>
           <a:xfrm>
             <a:off x="6643702" y="5256740"/>
-            <a:ext cx="285752" cy="1588"/>
+            <a:ext cx="357190" cy="1588"/>
           </a:xfrm>
           <a:prstGeom prst="straightConnector1">
             <a:avLst/>
@@ -10281,7 +10248,7 @@
           </a:xfrm>
           <a:prstGeom prst="bentConnector3">
             <a:avLst>
-              <a:gd name="adj1" fmla="val -3688"/>
+              <a:gd name="adj1" fmla="val -4235"/>
             </a:avLst>
           </a:prstGeom>
           <a:ln>
@@ -10319,7 +10286,7 @@
           </a:xfrm>
           <a:prstGeom prst="bentConnector3">
             <a:avLst>
-              <a:gd name="adj1" fmla="val -43380"/>
+              <a:gd name="adj1" fmla="val -42629"/>
             </a:avLst>
           </a:prstGeom>
           <a:ln>
@@ -10357,7 +10324,7 @@
           </a:xfrm>
           <a:prstGeom prst="bentConnector3">
             <a:avLst>
-              <a:gd name="adj1" fmla="val -89890"/>
+              <a:gd name="adj1" fmla="val -90892"/>
             </a:avLst>
           </a:prstGeom>
           <a:ln>
@@ -10395,7 +10362,7 @@
           </a:xfrm>
           <a:prstGeom prst="bentConnector3">
             <a:avLst>
-              <a:gd name="adj1" fmla="val -10323"/>
+              <a:gd name="adj1" fmla="val -10322"/>
             </a:avLst>
           </a:prstGeom>
           <a:ln>
@@ -10417,6 +10384,48 @@
           </a:fontRef>
         </p:style>
       </p:cxnSp>
+      <p:sp>
+        <p:nvSpPr>
+          <p:cNvPr id="63" name="テキスト ボックス 62"/>
+          <p:cNvSpPr txBox="1"/>
+          <p:nvPr/>
+        </p:nvSpPr>
+        <p:spPr>
+          <a:xfrm>
+            <a:off x="7000892" y="5072074"/>
+            <a:ext cx="1571636" cy="369332"/>
+          </a:xfrm>
+          <a:prstGeom prst="rect">
+            <a:avLst/>
+          </a:prstGeom>
+          <a:noFill/>
+          <a:ln>
+            <a:solidFill>
+              <a:schemeClr val="accent5">
+                <a:lumMod val="60000"/>
+                <a:lumOff val="40000"/>
+              </a:schemeClr>
+            </a:solidFill>
+          </a:ln>
+        </p:spPr>
+        <p:txBody>
+          <a:bodyPr wrap="square" rtlCol="0">
+            <a:spAutoFit/>
+          </a:bodyPr>
+          <a:lstStyle/>
+          <a:p>
+            <a:r>
+              <a:rPr kumimoji="1" lang="ja-JP" altLang="en-US" dirty="0" smtClean="0"/>
+              <a:t>結果</a:t>
+            </a:r>
+            <a:r>
+              <a:rPr kumimoji="1" lang="ja-JP" altLang="en-US" dirty="0" smtClean="0"/>
+              <a:t>確認画面</a:t>
+            </a:r>
+            <a:endParaRPr kumimoji="1" lang="ja-JP" altLang="en-US" dirty="0"/>
+          </a:p>
+        </p:txBody>
+      </p:sp>
     </p:spTree>
   </p:cSld>
   <p:clrMapOvr>
